--- a/reeling-dealing-techincal-book.pptx
+++ b/reeling-dealing-techincal-book.pptx
@@ -38,7 +38,7 @@
     <p:sldId id="458" r:id="rId29"/>
     <p:sldId id="434" r:id="rId30"/>
     <p:sldId id="432" r:id="rId31"/>
-    <p:sldId id="336" r:id="rId32"/>
+    <p:sldId id="459" r:id="rId32"/>
   </p:sldIdLst>
   <p:sldSz cx="12192000" cy="6858000"/>
   <p:notesSz cx="6858000" cy="9144000"/>
@@ -1857,7 +1857,7 @@
           <a:p>
             <a:fld id="{503F064B-41F2-4661-BDF0-BFD135E9A557}" type="datetimeFigureOut">
               <a:rPr lang="en-US" smtClean="0"/>
-              <a:t>12/23/2021</a:t>
+              <a:t>1/23/2022</a:t>
             </a:fld>
             <a:endParaRPr lang="en-US"/>
           </a:p>
@@ -3750,7 +3750,7 @@
           <a:p>
             <a:fld id="{0138B082-EFC2-46C1-B47C-51736C670379}" type="datetimeFigureOut">
               <a:rPr lang="en-US" smtClean="0"/>
-              <a:t>12/23/2021</a:t>
+              <a:t>1/23/2022</a:t>
             </a:fld>
             <a:endParaRPr lang="en-US"/>
           </a:p>
@@ -3918,7 +3918,7 @@
           <a:p>
             <a:fld id="{0138B082-EFC2-46C1-B47C-51736C670379}" type="datetimeFigureOut">
               <a:rPr lang="en-US" smtClean="0"/>
-              <a:t>12/23/2021</a:t>
+              <a:t>1/23/2022</a:t>
             </a:fld>
             <a:endParaRPr lang="en-US"/>
           </a:p>
@@ -4096,7 +4096,7 @@
           <a:p>
             <a:fld id="{0138B082-EFC2-46C1-B47C-51736C670379}" type="datetimeFigureOut">
               <a:rPr lang="en-US" smtClean="0"/>
-              <a:t>12/23/2021</a:t>
+              <a:t>1/23/2022</a:t>
             </a:fld>
             <a:endParaRPr lang="en-US"/>
           </a:p>
@@ -4264,7 +4264,7 @@
           <a:p>
             <a:fld id="{0138B082-EFC2-46C1-B47C-51736C670379}" type="datetimeFigureOut">
               <a:rPr lang="en-US" smtClean="0"/>
-              <a:t>12/23/2021</a:t>
+              <a:t>1/23/2022</a:t>
             </a:fld>
             <a:endParaRPr lang="en-US"/>
           </a:p>
@@ -4509,7 +4509,7 @@
           <a:p>
             <a:fld id="{0138B082-EFC2-46C1-B47C-51736C670379}" type="datetimeFigureOut">
               <a:rPr lang="en-US" smtClean="0"/>
-              <a:t>12/23/2021</a:t>
+              <a:t>1/23/2022</a:t>
             </a:fld>
             <a:endParaRPr lang="en-US"/>
           </a:p>
@@ -4738,7 +4738,7 @@
           <a:p>
             <a:fld id="{0138B082-EFC2-46C1-B47C-51736C670379}" type="datetimeFigureOut">
               <a:rPr lang="en-US" smtClean="0"/>
-              <a:t>12/23/2021</a:t>
+              <a:t>1/23/2022</a:t>
             </a:fld>
             <a:endParaRPr lang="en-US"/>
           </a:p>
@@ -5102,7 +5102,7 @@
           <a:p>
             <a:fld id="{0138B082-EFC2-46C1-B47C-51736C670379}" type="datetimeFigureOut">
               <a:rPr lang="en-US" smtClean="0"/>
-              <a:t>12/23/2021</a:t>
+              <a:t>1/23/2022</a:t>
             </a:fld>
             <a:endParaRPr lang="en-US"/>
           </a:p>
@@ -5219,7 +5219,7 @@
           <a:p>
             <a:fld id="{0138B082-EFC2-46C1-B47C-51736C670379}" type="datetimeFigureOut">
               <a:rPr lang="en-US" smtClean="0"/>
-              <a:t>12/23/2021</a:t>
+              <a:t>1/23/2022</a:t>
             </a:fld>
             <a:endParaRPr lang="en-US"/>
           </a:p>
@@ -5314,7 +5314,7 @@
           <a:p>
             <a:fld id="{0138B082-EFC2-46C1-B47C-51736C670379}" type="datetimeFigureOut">
               <a:rPr lang="en-US" smtClean="0"/>
-              <a:t>12/23/2021</a:t>
+              <a:t>1/23/2022</a:t>
             </a:fld>
             <a:endParaRPr lang="en-US"/>
           </a:p>
@@ -5589,7 +5589,7 @@
           <a:p>
             <a:fld id="{0138B082-EFC2-46C1-B47C-51736C670379}" type="datetimeFigureOut">
               <a:rPr lang="en-US" smtClean="0"/>
-              <a:t>12/23/2021</a:t>
+              <a:t>1/23/2022</a:t>
             </a:fld>
             <a:endParaRPr lang="en-US"/>
           </a:p>
@@ -5841,7 +5841,7 @@
           <a:p>
             <a:fld id="{0138B082-EFC2-46C1-B47C-51736C670379}" type="datetimeFigureOut">
               <a:rPr lang="en-US" smtClean="0"/>
-              <a:t>12/23/2021</a:t>
+              <a:t>1/23/2022</a:t>
             </a:fld>
             <a:endParaRPr lang="en-US"/>
           </a:p>
@@ -6052,7 +6052,7 @@
           <a:p>
             <a:fld id="{0138B082-EFC2-46C1-B47C-51736C670379}" type="datetimeFigureOut">
               <a:rPr lang="en-US" smtClean="0"/>
-              <a:t>12/23/2021</a:t>
+              <a:t>1/23/2022</a:t>
             </a:fld>
             <a:endParaRPr lang="en-US"/>
           </a:p>
@@ -8113,7 +8113,7 @@
         <p:spPr>
           <a:xfrm>
             <a:off x="462987" y="1365813"/>
-            <a:ext cx="6774721" cy="1815882"/>
+            <a:ext cx="6774721" cy="2677656"/>
           </a:xfrm>
           <a:prstGeom prst="rect">
             <a:avLst/>
@@ -8152,7 +8152,7 @@
                 </a:solidFill>
                 <a:latin typeface="Pragmatica" panose="020B0403040502020204" pitchFamily="34" charset="0"/>
               </a:rPr>
-              <a:t>Technical reviewers: who owes you a favor?</a:t>
+              <a:t>Technical reviewers: which peers owe you a favor?</a:t>
             </a:r>
           </a:p>
           <a:p>
@@ -8190,6 +8190,53 @@
           </a:p>
         </p:txBody>
       </p:sp>
+      <p:pic>
+        <p:nvPicPr>
+          <p:cNvPr id="1026" name="Picture 2" descr="Mötley Crüe">
+            <a:extLst>
+              <a:ext uri="{FF2B5EF4-FFF2-40B4-BE49-F238E27FC236}">
+                <a16:creationId xmlns:a16="http://schemas.microsoft.com/office/drawing/2014/main" id="{155C9F28-E605-45D0-AD06-EFB0A0103303}"/>
+              </a:ext>
+            </a:extLst>
+          </p:cNvPr>
+          <p:cNvPicPr>
+            <a:picLocks noChangeAspect="1" noChangeArrowheads="1"/>
+          </p:cNvPicPr>
+          <p:nvPr/>
+        </p:nvPicPr>
+        <p:blipFill>
+          <a:blip r:embed="rId4" cstate="print">
+            <a:extLst>
+              <a:ext uri="{28A0092B-C50C-407E-A947-70E740481C1C}">
+                <a14:useLocalDpi xmlns:a14="http://schemas.microsoft.com/office/drawing/2010/main" val="0"/>
+              </a:ext>
+            </a:extLst>
+          </a:blip>
+          <a:srcRect/>
+          <a:stretch>
+            <a:fillRect/>
+          </a:stretch>
+        </p:blipFill>
+        <p:spPr bwMode="auto">
+          <a:xfrm>
+            <a:off x="7653147" y="3768132"/>
+            <a:ext cx="3987933" cy="2642717"/>
+          </a:xfrm>
+          <a:prstGeom prst="rect">
+            <a:avLst/>
+          </a:prstGeom>
+          <a:noFill/>
+          <a:extLst>
+            <a:ext uri="{909E8E84-426E-40DD-AFC4-6F175D3DCCD1}">
+              <a14:hiddenFill xmlns:a14="http://schemas.microsoft.com/office/drawing/2010/main">
+                <a:solidFill>
+                  <a:srgbClr val="FFFFFF"/>
+                </a:solidFill>
+              </a14:hiddenFill>
+            </a:ext>
+          </a:extLst>
+        </p:spPr>
+      </p:pic>
     </p:spTree>
     <p:extLst>
       <p:ext uri="{BB962C8B-B14F-4D97-AF65-F5344CB8AC3E}">
@@ -10385,7 +10432,7 @@
         <p:spPr>
           <a:xfrm>
             <a:off x="324091" y="1687545"/>
-            <a:ext cx="7986531" cy="2677656"/>
+            <a:ext cx="7986531" cy="769441"/>
           </a:xfrm>
           <a:prstGeom prst="rect">
             <a:avLst/>
@@ -10399,64 +10446,21 @@
           <a:lstStyle/>
           <a:p>
             <a:r>
-              <a:rPr lang="en-US" sz="2800" b="1" dirty="0">
+              <a:rPr lang="en-US" sz="4400" b="1" dirty="0">
                 <a:solidFill>
                   <a:srgbClr val="707070"/>
                 </a:solidFill>
                 <a:latin typeface="Pragmatica" panose="020B0403040502020204" pitchFamily="34" charset="0"/>
               </a:rPr>
-              <a:t>Event survey: </a:t>
-            </a:r>
-            <a:r>
-              <a:rPr lang="en-US" sz="2800" b="1" dirty="0">
-                <a:solidFill>
-                  <a:srgbClr val="707070"/>
-                </a:solidFill>
-                <a:latin typeface="Pragmatica" panose="020B0403040502020204" pitchFamily="34" charset="0"/>
-                <a:hlinkClick r:id="rId4"/>
-              </a:rPr>
-              <a:t>https://forms.office.com/r/0ZnD0LxpZy</a:t>
-            </a:r>
-            <a:endParaRPr lang="en-US" sz="2800" b="1" dirty="0">
-              <a:solidFill>
-                <a:srgbClr val="707070"/>
-              </a:solidFill>
-              <a:latin typeface="Pragmatica" panose="020B0403040502020204" pitchFamily="34" charset="0"/>
-            </a:endParaRPr>
-          </a:p>
-          <a:p>
-            <a:endParaRPr lang="en-US" sz="2800" b="1" dirty="0">
-              <a:solidFill>
-                <a:srgbClr val="707070"/>
-              </a:solidFill>
-              <a:latin typeface="Pragmatica" panose="020B0403040502020204" pitchFamily="34" charset="0"/>
-            </a:endParaRPr>
-          </a:p>
-          <a:p>
-            <a:r>
-              <a:rPr lang="en-US" sz="2800" b="1" dirty="0">
-                <a:solidFill>
-                  <a:srgbClr val="707070"/>
-                </a:solidFill>
-                <a:latin typeface="Pragmatica" panose="020B0403040502020204" pitchFamily="34" charset="0"/>
-              </a:rPr>
-              <a:t>I will follow up in two weeks when I take down the video 😎</a:t>
-            </a:r>
-          </a:p>
-          <a:p>
-            <a:endParaRPr lang="en-US" sz="2800" b="1" dirty="0">
-              <a:solidFill>
-                <a:srgbClr val="707070"/>
-              </a:solidFill>
-              <a:latin typeface="Pragmatica" panose="020B0403040502020204" pitchFamily="34" charset="0"/>
-            </a:endParaRPr>
+              <a:t>Questions?</a:t>
+            </a:r>
           </a:p>
         </p:txBody>
       </p:sp>
     </p:spTree>
     <p:extLst>
       <p:ext uri="{BB962C8B-B14F-4D97-AF65-F5344CB8AC3E}">
-        <p14:creationId xmlns:p14="http://schemas.microsoft.com/office/powerpoint/2010/main" val="2312071835"/>
+        <p14:creationId xmlns:p14="http://schemas.microsoft.com/office/powerpoint/2010/main" val="553031554"/>
       </p:ext>
     </p:extLst>
   </p:cSld>
@@ -10552,7 +10556,7 @@
         <p:spPr>
           <a:xfrm>
             <a:off x="462987" y="1365813"/>
-            <a:ext cx="9595413" cy="2246769"/>
+            <a:ext cx="6611053" cy="2677656"/>
           </a:xfrm>
           <a:prstGeom prst="rect">
             <a:avLst/>
@@ -10606,7 +10610,7 @@
                 </a:solidFill>
                 <a:latin typeface="Pragmatica" panose="020B0403040502020204" pitchFamily="34" charset="0"/>
               </a:rPr>
-              <a:t>What tacit knowledge can I impart? </a:t>
+              <a:t>What abstract knowledge can I make concrete? </a:t>
             </a:r>
           </a:p>
           <a:p>
@@ -10660,7 +10664,7 @@
         </p:blipFill>
         <p:spPr bwMode="auto">
           <a:xfrm>
-            <a:off x="6926397" y="1802969"/>
+            <a:off x="8002485" y="1490666"/>
             <a:ext cx="3540526" cy="4623661"/>
           </a:xfrm>
           <a:prstGeom prst="rect">
@@ -11201,7 +11205,7 @@
         <p:spPr>
           <a:xfrm>
             <a:off x="462987" y="1365813"/>
-            <a:ext cx="8387397" cy="954107"/>
+            <a:ext cx="8387397" cy="1384995"/>
           </a:xfrm>
           <a:prstGeom prst="rect">
             <a:avLst/>
@@ -11241,6 +11245,21 @@
                 <a:latin typeface="Pragmatica" panose="020B0403040502020204" pitchFamily="34" charset="0"/>
               </a:rPr>
               <a:t>To impress outsiders</a:t>
+            </a:r>
+          </a:p>
+          <a:p>
+            <a:pPr marL="742950" lvl="1" indent="-285750">
+              <a:buFont typeface="Arial" panose="020B0604020202020204" pitchFamily="34" charset="0"/>
+              <a:buChar char="•"/>
+            </a:pPr>
+            <a:r>
+              <a:rPr lang="en-US" sz="2800" i="1" dirty="0">
+                <a:solidFill>
+                  <a:srgbClr val="707070"/>
+                </a:solidFill>
+                <a:latin typeface="Pragmatica" panose="020B0403040502020204" pitchFamily="34" charset="0"/>
+              </a:rPr>
+              <a:t>This could even mean customers</a:t>
             </a:r>
           </a:p>
         </p:txBody>
@@ -11273,8 +11292,8 @@
         </p:blipFill>
         <p:spPr>
           <a:xfrm>
-            <a:off x="4122549" y="2710960"/>
-            <a:ext cx="6950369" cy="3654242"/>
+            <a:off x="5898382" y="3285112"/>
+            <a:ext cx="6058791" cy="3185484"/>
           </a:xfrm>
           <a:prstGeom prst="rect">
             <a:avLst/>

--- a/reeling-dealing-techincal-book.pptx
+++ b/reeling-dealing-techincal-book.pptx
@@ -5,7 +5,7 @@
     <p:sldMasterId id="2147483648" r:id="rId1"/>
   </p:sldMasterIdLst>
   <p:notesMasterIdLst>
-    <p:notesMasterId r:id="rId33"/>
+    <p:notesMasterId r:id="rId34"/>
   </p:notesMasterIdLst>
   <p:sldIdLst>
     <p:sldId id="437" r:id="rId2"/>
@@ -36,9 +36,10 @@
     <p:sldId id="431" r:id="rId27"/>
     <p:sldId id="457" r:id="rId28"/>
     <p:sldId id="458" r:id="rId29"/>
-    <p:sldId id="434" r:id="rId30"/>
-    <p:sldId id="432" r:id="rId31"/>
-    <p:sldId id="459" r:id="rId32"/>
+    <p:sldId id="460" r:id="rId30"/>
+    <p:sldId id="434" r:id="rId31"/>
+    <p:sldId id="432" r:id="rId32"/>
+    <p:sldId id="459" r:id="rId33"/>
   </p:sldIdLst>
   <p:sldSz cx="12192000" cy="6858000"/>
   <p:notesSz cx="6858000" cy="9144000"/>
@@ -1857,7 +1858,7 @@
           <a:p>
             <a:fld id="{503F064B-41F2-4661-BDF0-BFD135E9A557}" type="datetimeFigureOut">
               <a:rPr lang="en-US" smtClean="0"/>
-              <a:t>1/23/2022</a:t>
+              <a:t>7/20/2023</a:t>
             </a:fld>
             <a:endParaRPr lang="en-US"/>
           </a:p>
@@ -2901,6 +2902,90 @@
 </p:notes>
 </file>
 
+<file path=ppt/notesSlides/notesSlide18.xml><?xml version="1.0" encoding="utf-8"?>
+<p:notes xmlns:a="http://schemas.openxmlformats.org/drawingml/2006/main" xmlns:r="http://schemas.openxmlformats.org/officeDocument/2006/relationships" xmlns:p="http://schemas.openxmlformats.org/presentationml/2006/main">
+  <p:cSld>
+    <p:spTree>
+      <p:nvGrpSpPr>
+        <p:cNvPr id="1" name=""/>
+        <p:cNvGrpSpPr/>
+        <p:nvPr/>
+      </p:nvGrpSpPr>
+      <p:grpSpPr>
+        <a:xfrm>
+          <a:off x="0" y="0"/>
+          <a:ext cx="0" cy="0"/>
+          <a:chOff x="0" y="0"/>
+          <a:chExt cx="0" cy="0"/>
+        </a:xfrm>
+      </p:grpSpPr>
+      <p:sp>
+        <p:nvSpPr>
+          <p:cNvPr id="2" name="Slide Image Placeholder 1"/>
+          <p:cNvSpPr>
+            <a:spLocks noGrp="1" noRot="1" noChangeAspect="1"/>
+          </p:cNvSpPr>
+          <p:nvPr>
+            <p:ph type="sldImg"/>
+          </p:nvPr>
+        </p:nvSpPr>
+        <p:spPr/>
+      </p:sp>
+      <p:sp>
+        <p:nvSpPr>
+          <p:cNvPr id="3" name="Notes Placeholder 2"/>
+          <p:cNvSpPr>
+            <a:spLocks noGrp="1"/>
+          </p:cNvSpPr>
+          <p:nvPr>
+            <p:ph type="body" idx="1"/>
+          </p:nvPr>
+        </p:nvSpPr>
+        <p:spPr/>
+        <p:txBody>
+          <a:bodyPr/>
+          <a:lstStyle/>
+          <a:p>
+            <a:endParaRPr lang="en-US" dirty="0"/>
+          </a:p>
+        </p:txBody>
+      </p:sp>
+      <p:sp>
+        <p:nvSpPr>
+          <p:cNvPr id="4" name="Slide Number Placeholder 3"/>
+          <p:cNvSpPr>
+            <a:spLocks noGrp="1"/>
+          </p:cNvSpPr>
+          <p:nvPr>
+            <p:ph type="sldNum" sz="quarter" idx="5"/>
+          </p:nvPr>
+        </p:nvSpPr>
+        <p:spPr/>
+        <p:txBody>
+          <a:bodyPr/>
+          <a:lstStyle/>
+          <a:p>
+            <a:fld id="{3BB66621-ADCC-4EF8-8003-B9D3E881DCD2}" type="slidenum">
+              <a:rPr lang="en-US" smtClean="0"/>
+              <a:t>29</a:t>
+            </a:fld>
+            <a:endParaRPr lang="en-US"/>
+          </a:p>
+        </p:txBody>
+      </p:sp>
+    </p:spTree>
+    <p:extLst>
+      <p:ext uri="{BB962C8B-B14F-4D97-AF65-F5344CB8AC3E}">
+        <p14:creationId xmlns:p14="http://schemas.microsoft.com/office/powerpoint/2010/main" val="1908451476"/>
+      </p:ext>
+    </p:extLst>
+  </p:cSld>
+  <p:clrMapOvr>
+    <a:masterClrMapping/>
+  </p:clrMapOvr>
+</p:notes>
+</file>
+
 <file path=ppt/notesSlides/notesSlide2.xml><?xml version="1.0" encoding="utf-8"?>
 <p:notes xmlns:a="http://schemas.openxmlformats.org/drawingml/2006/main" xmlns:r="http://schemas.openxmlformats.org/officeDocument/2006/relationships" xmlns:p="http://schemas.openxmlformats.org/presentationml/2006/main">
   <p:cSld>
@@ -3750,7 +3835,7 @@
           <a:p>
             <a:fld id="{0138B082-EFC2-46C1-B47C-51736C670379}" type="datetimeFigureOut">
               <a:rPr lang="en-US" smtClean="0"/>
-              <a:t>1/23/2022</a:t>
+              <a:t>7/20/2023</a:t>
             </a:fld>
             <a:endParaRPr lang="en-US"/>
           </a:p>
@@ -3918,7 +4003,7 @@
           <a:p>
             <a:fld id="{0138B082-EFC2-46C1-B47C-51736C670379}" type="datetimeFigureOut">
               <a:rPr lang="en-US" smtClean="0"/>
-              <a:t>1/23/2022</a:t>
+              <a:t>7/20/2023</a:t>
             </a:fld>
             <a:endParaRPr lang="en-US"/>
           </a:p>
@@ -4096,7 +4181,7 @@
           <a:p>
             <a:fld id="{0138B082-EFC2-46C1-B47C-51736C670379}" type="datetimeFigureOut">
               <a:rPr lang="en-US" smtClean="0"/>
-              <a:t>1/23/2022</a:t>
+              <a:t>7/20/2023</a:t>
             </a:fld>
             <a:endParaRPr lang="en-US"/>
           </a:p>
@@ -4264,7 +4349,7 @@
           <a:p>
             <a:fld id="{0138B082-EFC2-46C1-B47C-51736C670379}" type="datetimeFigureOut">
               <a:rPr lang="en-US" smtClean="0"/>
-              <a:t>1/23/2022</a:t>
+              <a:t>7/20/2023</a:t>
             </a:fld>
             <a:endParaRPr lang="en-US"/>
           </a:p>
@@ -4509,7 +4594,7 @@
           <a:p>
             <a:fld id="{0138B082-EFC2-46C1-B47C-51736C670379}" type="datetimeFigureOut">
               <a:rPr lang="en-US" smtClean="0"/>
-              <a:t>1/23/2022</a:t>
+              <a:t>7/20/2023</a:t>
             </a:fld>
             <a:endParaRPr lang="en-US"/>
           </a:p>
@@ -4738,7 +4823,7 @@
           <a:p>
             <a:fld id="{0138B082-EFC2-46C1-B47C-51736C670379}" type="datetimeFigureOut">
               <a:rPr lang="en-US" smtClean="0"/>
-              <a:t>1/23/2022</a:t>
+              <a:t>7/20/2023</a:t>
             </a:fld>
             <a:endParaRPr lang="en-US"/>
           </a:p>
@@ -5102,7 +5187,7 @@
           <a:p>
             <a:fld id="{0138B082-EFC2-46C1-B47C-51736C670379}" type="datetimeFigureOut">
               <a:rPr lang="en-US" smtClean="0"/>
-              <a:t>1/23/2022</a:t>
+              <a:t>7/20/2023</a:t>
             </a:fld>
             <a:endParaRPr lang="en-US"/>
           </a:p>
@@ -5219,7 +5304,7 @@
           <a:p>
             <a:fld id="{0138B082-EFC2-46C1-B47C-51736C670379}" type="datetimeFigureOut">
               <a:rPr lang="en-US" smtClean="0"/>
-              <a:t>1/23/2022</a:t>
+              <a:t>7/20/2023</a:t>
             </a:fld>
             <a:endParaRPr lang="en-US"/>
           </a:p>
@@ -5314,7 +5399,7 @@
           <a:p>
             <a:fld id="{0138B082-EFC2-46C1-B47C-51736C670379}" type="datetimeFigureOut">
               <a:rPr lang="en-US" smtClean="0"/>
-              <a:t>1/23/2022</a:t>
+              <a:t>7/20/2023</a:t>
             </a:fld>
             <a:endParaRPr lang="en-US"/>
           </a:p>
@@ -5589,7 +5674,7 @@
           <a:p>
             <a:fld id="{0138B082-EFC2-46C1-B47C-51736C670379}" type="datetimeFigureOut">
               <a:rPr lang="en-US" smtClean="0"/>
-              <a:t>1/23/2022</a:t>
+              <a:t>7/20/2023</a:t>
             </a:fld>
             <a:endParaRPr lang="en-US"/>
           </a:p>
@@ -5841,7 +5926,7 @@
           <a:p>
             <a:fld id="{0138B082-EFC2-46C1-B47C-51736C670379}" type="datetimeFigureOut">
               <a:rPr lang="en-US" smtClean="0"/>
-              <a:t>1/23/2022</a:t>
+              <a:t>7/20/2023</a:t>
             </a:fld>
             <a:endParaRPr lang="en-US"/>
           </a:p>
@@ -6052,7 +6137,7 @@
           <a:p>
             <a:fld id="{0138B082-EFC2-46C1-B47C-51736C670379}" type="datetimeFigureOut">
               <a:rPr lang="en-US" smtClean="0"/>
-              <a:t>1/23/2022</a:t>
+              <a:t>7/20/2023</a:t>
             </a:fld>
             <a:endParaRPr lang="en-US"/>
           </a:p>
@@ -9879,7 +9964,7 @@
           <p:nvPr/>
         </p:nvPicPr>
         <p:blipFill rotWithShape="1">
-          <a:blip r:embed="rId2">
+          <a:blip r:embed="rId3">
             <a:extLst>
               <a:ext uri="{28A0092B-C50C-407E-A947-70E740481C1C}">
                 <a14:useLocalDpi xmlns:a14="http://schemas.microsoft.com/office/drawing/2010/main" val="0"/>
@@ -9891,44 +9976,14 @@
         </p:blipFill>
         <p:spPr>
           <a:xfrm>
-            <a:off x="8136460" y="2210765"/>
-            <a:ext cx="4055539" cy="4647236"/>
+            <a:off x="10894024" y="5370653"/>
+            <a:ext cx="1297975" cy="1487348"/>
           </a:xfrm>
           <a:prstGeom prst="rect">
             <a:avLst/>
           </a:prstGeom>
         </p:spPr>
       </p:pic>
-      <p:pic>
-        <p:nvPicPr>
-          <p:cNvPr id="4" name="Picture 3"/>
-          <p:cNvPicPr>
-            <a:picLocks noChangeAspect="1"/>
-          </p:cNvPicPr>
-          <p:nvPr/>
-        </p:nvPicPr>
-        <p:blipFill>
-          <a:blip r:embed="rId3">
-            <a:extLst>
-              <a:ext uri="{28A0092B-C50C-407E-A947-70E740481C1C}">
-                <a14:useLocalDpi xmlns:a14="http://schemas.microsoft.com/office/drawing/2010/main" val="0"/>
-              </a:ext>
-            </a:extLst>
-          </a:blip>
-          <a:stretch>
-            <a:fillRect/>
-          </a:stretch>
-        </p:blipFill>
-        <p:spPr>
-          <a:xfrm>
-            <a:off x="-538496" y="-2482770"/>
-            <a:ext cx="10171472" cy="7459883"/>
-          </a:xfrm>
-          <a:prstGeom prst="rect">
-            <a:avLst/>
-          </a:prstGeom>
-        </p:spPr>
-      </p:pic>
       <p:sp>
         <p:nvSpPr>
           <p:cNvPr id="11" name="TextBox 10"/>
@@ -9937,8 +9992,8 @@
         </p:nvSpPr>
         <p:spPr>
           <a:xfrm>
-            <a:off x="324091" y="1687545"/>
-            <a:ext cx="7986531" cy="1077218"/>
+            <a:off x="347240" y="113388"/>
+            <a:ext cx="9799937" cy="1015663"/>
           </a:xfrm>
           <a:prstGeom prst="rect">
             <a:avLst/>
@@ -9952,29 +10007,163 @@
           <a:lstStyle/>
           <a:p>
             <a:r>
-              <a:rPr lang="en-US" sz="4400" b="1" dirty="0">
+              <a:rPr lang="en-US" sz="6000" dirty="0">
+                <a:latin typeface="Aliens &amp; cows" panose="00000500000000000000" pitchFamily="2" charset="0"/>
+              </a:rPr>
+              <a:t>Technical book coaching</a:t>
+            </a:r>
+          </a:p>
+        </p:txBody>
+      </p:sp>
+      <p:sp>
+        <p:nvSpPr>
+          <p:cNvPr id="6" name="TextBox 5">
+            <a:extLst>
+              <a:ext uri="{FF2B5EF4-FFF2-40B4-BE49-F238E27FC236}">
+                <a16:creationId xmlns:a16="http://schemas.microsoft.com/office/drawing/2014/main" id="{A4ABF069-A2C4-4825-B3DA-7D7DFA88E6FF}"/>
+              </a:ext>
+            </a:extLst>
+          </p:cNvPr>
+          <p:cNvSpPr txBox="1"/>
+          <p:nvPr/>
+        </p:nvSpPr>
+        <p:spPr>
+          <a:xfrm>
+            <a:off x="462987" y="1365813"/>
+            <a:ext cx="6774721" cy="4401205"/>
+          </a:xfrm>
+          <a:prstGeom prst="rect">
+            <a:avLst/>
+          </a:prstGeom>
+          <a:noFill/>
+        </p:spPr>
+        <p:txBody>
+          <a:bodyPr wrap="square" rtlCol="0">
+            <a:spAutoFit/>
+          </a:bodyPr>
+          <a:lstStyle/>
+          <a:p>
+            <a:pPr marL="457200" indent="-457200" algn="l">
+              <a:buFont typeface="Arial" panose="020B0604020202020204" pitchFamily="34" charset="0"/>
+              <a:buChar char="•"/>
+            </a:pPr>
+            <a:r>
+              <a:rPr lang="en-US" sz="2800" i="0" dirty="0">
                 <a:solidFill>
-                  <a:srgbClr val="707070"/>
+                  <a:srgbClr val="222222"/>
                 </a:solidFill>
-                <a:latin typeface="Pragmatica" panose="020B0403040502020204" pitchFamily="34" charset="0"/>
+                <a:effectLst/>
+                <a:latin typeface="PT Sans" panose="020B0503020203020204" pitchFamily="34" charset="0"/>
               </a:rPr>
-              <a:t>Questions?</a:t>
-            </a:r>
-          </a:p>
-          <a:p>
-            <a:endParaRPr lang="en-US" sz="2000" b="1" i="1" dirty="0">
+              <a:t>Eight 60-minute coaching and consulting calls</a:t>
+            </a:r>
+          </a:p>
+          <a:p>
+            <a:pPr marL="457200" indent="-457200" algn="l">
+              <a:buFont typeface="Arial" panose="020B0604020202020204" pitchFamily="34" charset="0"/>
+              <a:buChar char="•"/>
+            </a:pPr>
+            <a:r>
+              <a:rPr lang="en-US" sz="2800" i="0" dirty="0">
+                <a:solidFill>
+                  <a:srgbClr val="222222"/>
+                </a:solidFill>
+                <a:effectLst/>
+                <a:latin typeface="PT Sans" panose="020B0503020203020204" pitchFamily="34" charset="0"/>
+              </a:rPr>
+              <a:t>Manuscript review</a:t>
+            </a:r>
+          </a:p>
+          <a:p>
+            <a:pPr marL="457200" indent="-457200" algn="l">
+              <a:buFont typeface="Arial" panose="020B0604020202020204" pitchFamily="34" charset="0"/>
+              <a:buChar char="•"/>
+            </a:pPr>
+            <a:r>
+              <a:rPr lang="en-US" sz="2800" i="0" dirty="0">
+                <a:solidFill>
+                  <a:srgbClr val="222222"/>
+                </a:solidFill>
+                <a:effectLst/>
+                <a:latin typeface="PT Sans" panose="020B0503020203020204" pitchFamily="34" charset="0"/>
+              </a:rPr>
+              <a:t>Two fifteen-minute inspiration calls</a:t>
+            </a:r>
+            <a:endParaRPr lang="en-US" sz="2800" dirty="0">
               <a:solidFill>
-                <a:srgbClr val="707070"/>
+                <a:srgbClr val="222222"/>
               </a:solidFill>
-              <a:latin typeface="Pragmatica" panose="020B0403040502020204" pitchFamily="34" charset="0"/>
+              <a:latin typeface="PT Sans" panose="020B0503020203020204" pitchFamily="34" charset="0"/>
             </a:endParaRPr>
+          </a:p>
+          <a:p>
+            <a:pPr marL="457200" indent="-457200" algn="l">
+              <a:buFont typeface="Arial" panose="020B0604020202020204" pitchFamily="34" charset="0"/>
+              <a:buChar char="•"/>
+            </a:pPr>
+            <a:r>
+              <a:rPr lang="en-US" sz="2800" i="0" dirty="0">
+                <a:solidFill>
+                  <a:srgbClr val="222222"/>
+                </a:solidFill>
+                <a:effectLst/>
+                <a:latin typeface="PT Sans" panose="020B0503020203020204" pitchFamily="34" charset="0"/>
+              </a:rPr>
+              <a:t>Worksheets, templates and related resources</a:t>
+            </a:r>
+          </a:p>
+          <a:p>
+            <a:pPr marL="457200" indent="-457200" algn="l">
+              <a:buFont typeface="Arial" panose="020B0604020202020204" pitchFamily="34" charset="0"/>
+              <a:buChar char="•"/>
+            </a:pPr>
+            <a:endParaRPr lang="en-US" sz="2800" dirty="0">
+              <a:solidFill>
+                <a:srgbClr val="222222"/>
+              </a:solidFill>
+              <a:latin typeface="PT Sans" panose="020B0503020203020204" pitchFamily="34" charset="0"/>
+            </a:endParaRPr>
+          </a:p>
+          <a:p>
+            <a:pPr algn="l"/>
+            <a:r>
+              <a:rPr lang="en-US" sz="2800" i="0" dirty="0">
+                <a:solidFill>
+                  <a:srgbClr val="222222"/>
+                </a:solidFill>
+                <a:effectLst/>
+                <a:latin typeface="PT Sans" panose="020B0503020203020204" pitchFamily="34" charset="0"/>
+              </a:rPr>
+              <a:t>Learn more and get started: </a:t>
+            </a:r>
+            <a:r>
+              <a:rPr lang="en-US" sz="2800" i="0" dirty="0">
+                <a:solidFill>
+                  <a:srgbClr val="222222"/>
+                </a:solidFill>
+                <a:effectLst/>
+                <a:latin typeface="PT Sans" panose="020B0503020203020204" pitchFamily="34" charset="0"/>
+                <a:hlinkClick r:id="rId4"/>
+              </a:rPr>
+              <a:t>https://stringfestanalytics.com/technical-book-coaching/</a:t>
+            </a:r>
+            <a:r>
+              <a:rPr lang="en-US" sz="2800" i="0" dirty="0">
+                <a:solidFill>
+                  <a:srgbClr val="222222"/>
+                </a:solidFill>
+                <a:effectLst/>
+                <a:latin typeface="PT Sans" panose="020B0503020203020204" pitchFamily="34" charset="0"/>
+              </a:rPr>
+              <a:t>  </a:t>
+            </a:r>
           </a:p>
         </p:txBody>
       </p:sp>
     </p:spTree>
     <p:extLst>
       <p:ext uri="{BB962C8B-B14F-4D97-AF65-F5344CB8AC3E}">
-        <p14:creationId xmlns:p14="http://schemas.microsoft.com/office/powerpoint/2010/main" val="2792158884"/>
+        <p14:creationId xmlns:p14="http://schemas.microsoft.com/office/powerpoint/2010/main" val="3640618325"/>
       </p:ext>
     </p:extLst>
   </p:cSld>
@@ -10247,6 +10436,137 @@
         <p:spPr>
           <a:xfrm>
             <a:off x="324091" y="1687545"/>
+            <a:ext cx="7986531" cy="1077218"/>
+          </a:xfrm>
+          <a:prstGeom prst="rect">
+            <a:avLst/>
+          </a:prstGeom>
+          <a:noFill/>
+        </p:spPr>
+        <p:txBody>
+          <a:bodyPr wrap="square" rtlCol="0">
+            <a:spAutoFit/>
+          </a:bodyPr>
+          <a:lstStyle/>
+          <a:p>
+            <a:r>
+              <a:rPr lang="en-US" sz="4400" b="1" dirty="0">
+                <a:solidFill>
+                  <a:srgbClr val="707070"/>
+                </a:solidFill>
+                <a:latin typeface="Pragmatica" panose="020B0403040502020204" pitchFamily="34" charset="0"/>
+              </a:rPr>
+              <a:t>Questions?</a:t>
+            </a:r>
+          </a:p>
+          <a:p>
+            <a:endParaRPr lang="en-US" sz="2000" b="1" i="1" dirty="0">
+              <a:solidFill>
+                <a:srgbClr val="707070"/>
+              </a:solidFill>
+              <a:latin typeface="Pragmatica" panose="020B0403040502020204" pitchFamily="34" charset="0"/>
+            </a:endParaRPr>
+          </a:p>
+        </p:txBody>
+      </p:sp>
+    </p:spTree>
+    <p:extLst>
+      <p:ext uri="{BB962C8B-B14F-4D97-AF65-F5344CB8AC3E}">
+        <p14:creationId xmlns:p14="http://schemas.microsoft.com/office/powerpoint/2010/main" val="2792158884"/>
+      </p:ext>
+    </p:extLst>
+  </p:cSld>
+  <p:clrMapOvr>
+    <a:masterClrMapping/>
+  </p:clrMapOvr>
+</p:sld>
+</file>
+
+<file path=ppt/slides/slide31.xml><?xml version="1.0" encoding="utf-8"?>
+<p:sld xmlns:a="http://schemas.openxmlformats.org/drawingml/2006/main" xmlns:r="http://schemas.openxmlformats.org/officeDocument/2006/relationships" xmlns:p="http://schemas.openxmlformats.org/presentationml/2006/main">
+  <p:cSld>
+    <p:spTree>
+      <p:nvGrpSpPr>
+        <p:cNvPr id="1" name=""/>
+        <p:cNvGrpSpPr/>
+        <p:nvPr/>
+      </p:nvGrpSpPr>
+      <p:grpSpPr>
+        <a:xfrm>
+          <a:off x="0" y="0"/>
+          <a:ext cx="0" cy="0"/>
+          <a:chOff x="0" y="0"/>
+          <a:chExt cx="0" cy="0"/>
+        </a:xfrm>
+      </p:grpSpPr>
+      <p:pic>
+        <p:nvPicPr>
+          <p:cNvPr id="10" name="Picture 9"/>
+          <p:cNvPicPr>
+            <a:picLocks noChangeAspect="1"/>
+          </p:cNvPicPr>
+          <p:nvPr/>
+        </p:nvPicPr>
+        <p:blipFill rotWithShape="1">
+          <a:blip r:embed="rId2">
+            <a:extLst>
+              <a:ext uri="{28A0092B-C50C-407E-A947-70E740481C1C}">
+                <a14:useLocalDpi xmlns:a14="http://schemas.microsoft.com/office/drawing/2010/main" val="0"/>
+              </a:ext>
+            </a:extLst>
+          </a:blip>
+          <a:srcRect l="50728" t="56371"/>
+          <a:stretch/>
+        </p:blipFill>
+        <p:spPr>
+          <a:xfrm>
+            <a:off x="8136460" y="2210765"/>
+            <a:ext cx="4055539" cy="4647236"/>
+          </a:xfrm>
+          <a:prstGeom prst="rect">
+            <a:avLst/>
+          </a:prstGeom>
+        </p:spPr>
+      </p:pic>
+      <p:pic>
+        <p:nvPicPr>
+          <p:cNvPr id="4" name="Picture 3"/>
+          <p:cNvPicPr>
+            <a:picLocks noChangeAspect="1"/>
+          </p:cNvPicPr>
+          <p:nvPr/>
+        </p:nvPicPr>
+        <p:blipFill>
+          <a:blip r:embed="rId3">
+            <a:extLst>
+              <a:ext uri="{28A0092B-C50C-407E-A947-70E740481C1C}">
+                <a14:useLocalDpi xmlns:a14="http://schemas.microsoft.com/office/drawing/2010/main" val="0"/>
+              </a:ext>
+            </a:extLst>
+          </a:blip>
+          <a:stretch>
+            <a:fillRect/>
+          </a:stretch>
+        </p:blipFill>
+        <p:spPr>
+          <a:xfrm>
+            <a:off x="-538496" y="-2482770"/>
+            <a:ext cx="10171472" cy="7459883"/>
+          </a:xfrm>
+          <a:prstGeom prst="rect">
+            <a:avLst/>
+          </a:prstGeom>
+        </p:spPr>
+      </p:pic>
+      <p:sp>
+        <p:nvSpPr>
+          <p:cNvPr id="11" name="TextBox 10"/>
+          <p:cNvSpPr txBox="1"/>
+          <p:nvPr/>
+        </p:nvSpPr>
+        <p:spPr>
+          <a:xfrm>
+            <a:off x="324091" y="1687545"/>
             <a:ext cx="7986531" cy="2369880"/>
           </a:xfrm>
           <a:prstGeom prst="rect">
@@ -10347,7 +10667,7 @@
 </p:sld>
 </file>
 
-<file path=ppt/slides/slide31.xml><?xml version="1.0" encoding="utf-8"?>
+<file path=ppt/slides/slide32.xml><?xml version="1.0" encoding="utf-8"?>
 <p:sld xmlns:a="http://schemas.openxmlformats.org/drawingml/2006/main" xmlns:r="http://schemas.openxmlformats.org/officeDocument/2006/relationships" xmlns:p="http://schemas.openxmlformats.org/presentationml/2006/main">
   <p:cSld>
     <p:spTree>

--- a/reeling-dealing-techincal-book.pptx
+++ b/reeling-dealing-techincal-book.pptx
@@ -11259,7 +11259,7 @@
         <p:spPr>
           <a:xfrm>
             <a:off x="462987" y="1365813"/>
-            <a:ext cx="8387397" cy="1815882"/>
+            <a:ext cx="8387397" cy="1384995"/>
           </a:xfrm>
           <a:prstGeom prst="rect">
             <a:avLst/>
@@ -11293,29 +11293,23 @@
                 <a:latin typeface="Pragmatica" panose="020B0403040502020204" pitchFamily="34" charset="0"/>
                 <a:hlinkClick r:id="rId4"/>
               </a:rPr>
-              <a:t>https://github.com/stringfestdata/reeling-dealing-technical-book</a:t>
-            </a:r>
-            <a:endParaRPr lang="en-US" sz="2800" dirty="0">
+              <a:t>https://github.com/stringfestdata/reeling-dealing-technical-book/archive/refs/heads/main.zip</a:t>
+            </a:r>
+            <a:r>
+              <a:rPr lang="en-US" sz="2800" dirty="0">
+                <a:solidFill>
+                  <a:srgbClr val="707070"/>
+                </a:solidFill>
+                <a:latin typeface="Pragmatica" panose="020B0403040502020204" pitchFamily="34" charset="0"/>
+              </a:rPr>
+              <a:t>  </a:t>
+            </a:r>
+            <a:endParaRPr lang="en-US" sz="2800" i="1" dirty="0">
               <a:solidFill>
                 <a:srgbClr val="707070"/>
               </a:solidFill>
               <a:latin typeface="Pragmatica" panose="020B0403040502020204" pitchFamily="34" charset="0"/>
             </a:endParaRPr>
-          </a:p>
-          <a:p>
-            <a:pPr marL="742950" lvl="1" indent="-285750">
-              <a:buFont typeface="Arial" panose="020B0604020202020204" pitchFamily="34" charset="0"/>
-              <a:buChar char="•"/>
-            </a:pPr>
-            <a:r>
-              <a:rPr lang="en-US" sz="2800" i="1" dirty="0">
-                <a:solidFill>
-                  <a:srgbClr val="707070"/>
-                </a:solidFill>
-                <a:latin typeface="Pragmatica" panose="020B0403040502020204" pitchFamily="34" charset="0"/>
-              </a:rPr>
-              <a:t>Code &gt; Download ZIP</a:t>
-            </a:r>
           </a:p>
         </p:txBody>
       </p:sp>

--- a/reeling-dealing-techincal-book.pptx
+++ b/reeling-dealing-techincal-book.pptx
@@ -1858,7 +1858,7 @@
           <a:p>
             <a:fld id="{503F064B-41F2-4661-BDF0-BFD135E9A557}" type="datetimeFigureOut">
               <a:rPr lang="en-US" smtClean="0"/>
-              <a:t>7/20/2023</a:t>
+              <a:t>9/18/2023</a:t>
             </a:fld>
             <a:endParaRPr lang="en-US"/>
           </a:p>
@@ -3835,7 +3835,7 @@
           <a:p>
             <a:fld id="{0138B082-EFC2-46C1-B47C-51736C670379}" type="datetimeFigureOut">
               <a:rPr lang="en-US" smtClean="0"/>
-              <a:t>7/20/2023</a:t>
+              <a:t>9/18/2023</a:t>
             </a:fld>
             <a:endParaRPr lang="en-US"/>
           </a:p>
@@ -4003,7 +4003,7 @@
           <a:p>
             <a:fld id="{0138B082-EFC2-46C1-B47C-51736C670379}" type="datetimeFigureOut">
               <a:rPr lang="en-US" smtClean="0"/>
-              <a:t>7/20/2023</a:t>
+              <a:t>9/18/2023</a:t>
             </a:fld>
             <a:endParaRPr lang="en-US"/>
           </a:p>
@@ -4181,7 +4181,7 @@
           <a:p>
             <a:fld id="{0138B082-EFC2-46C1-B47C-51736C670379}" type="datetimeFigureOut">
               <a:rPr lang="en-US" smtClean="0"/>
-              <a:t>7/20/2023</a:t>
+              <a:t>9/18/2023</a:t>
             </a:fld>
             <a:endParaRPr lang="en-US"/>
           </a:p>
@@ -4349,7 +4349,7 @@
           <a:p>
             <a:fld id="{0138B082-EFC2-46C1-B47C-51736C670379}" type="datetimeFigureOut">
               <a:rPr lang="en-US" smtClean="0"/>
-              <a:t>7/20/2023</a:t>
+              <a:t>9/18/2023</a:t>
             </a:fld>
             <a:endParaRPr lang="en-US"/>
           </a:p>
@@ -4594,7 +4594,7 @@
           <a:p>
             <a:fld id="{0138B082-EFC2-46C1-B47C-51736C670379}" type="datetimeFigureOut">
               <a:rPr lang="en-US" smtClean="0"/>
-              <a:t>7/20/2023</a:t>
+              <a:t>9/18/2023</a:t>
             </a:fld>
             <a:endParaRPr lang="en-US"/>
           </a:p>
@@ -4823,7 +4823,7 @@
           <a:p>
             <a:fld id="{0138B082-EFC2-46C1-B47C-51736C670379}" type="datetimeFigureOut">
               <a:rPr lang="en-US" smtClean="0"/>
-              <a:t>7/20/2023</a:t>
+              <a:t>9/18/2023</a:t>
             </a:fld>
             <a:endParaRPr lang="en-US"/>
           </a:p>
@@ -5187,7 +5187,7 @@
           <a:p>
             <a:fld id="{0138B082-EFC2-46C1-B47C-51736C670379}" type="datetimeFigureOut">
               <a:rPr lang="en-US" smtClean="0"/>
-              <a:t>7/20/2023</a:t>
+              <a:t>9/18/2023</a:t>
             </a:fld>
             <a:endParaRPr lang="en-US"/>
           </a:p>
@@ -5304,7 +5304,7 @@
           <a:p>
             <a:fld id="{0138B082-EFC2-46C1-B47C-51736C670379}" type="datetimeFigureOut">
               <a:rPr lang="en-US" smtClean="0"/>
-              <a:t>7/20/2023</a:t>
+              <a:t>9/18/2023</a:t>
             </a:fld>
             <a:endParaRPr lang="en-US"/>
           </a:p>
@@ -5399,7 +5399,7 @@
           <a:p>
             <a:fld id="{0138B082-EFC2-46C1-B47C-51736C670379}" type="datetimeFigureOut">
               <a:rPr lang="en-US" smtClean="0"/>
-              <a:t>7/20/2023</a:t>
+              <a:t>9/18/2023</a:t>
             </a:fld>
             <a:endParaRPr lang="en-US"/>
           </a:p>
@@ -5674,7 +5674,7 @@
           <a:p>
             <a:fld id="{0138B082-EFC2-46C1-B47C-51736C670379}" type="datetimeFigureOut">
               <a:rPr lang="en-US" smtClean="0"/>
-              <a:t>7/20/2023</a:t>
+              <a:t>9/18/2023</a:t>
             </a:fld>
             <a:endParaRPr lang="en-US"/>
           </a:p>
@@ -5926,7 +5926,7 @@
           <a:p>
             <a:fld id="{0138B082-EFC2-46C1-B47C-51736C670379}" type="datetimeFigureOut">
               <a:rPr lang="en-US" smtClean="0"/>
-              <a:t>7/20/2023</a:t>
+              <a:t>9/18/2023</a:t>
             </a:fld>
             <a:endParaRPr lang="en-US"/>
           </a:p>
@@ -6137,7 +6137,7 @@
           <a:p>
             <a:fld id="{0138B082-EFC2-46C1-B47C-51736C670379}" type="datetimeFigureOut">
               <a:rPr lang="en-US" smtClean="0"/>
-              <a:t>7/20/2023</a:t>
+              <a:t>9/18/2023</a:t>
             </a:fld>
             <a:endParaRPr lang="en-US"/>
           </a:p>
@@ -9886,7 +9886,7 @@
         <p:spPr>
           <a:xfrm>
             <a:off x="462987" y="1365813"/>
-            <a:ext cx="6774721" cy="954107"/>
+            <a:ext cx="6774721" cy="2062103"/>
           </a:xfrm>
           <a:prstGeom prst="rect">
             <a:avLst/>
@@ -9921,6 +9921,21 @@
                 <a:latin typeface="Pragmatica" panose="020B0403040502020204" pitchFamily="34" charset="0"/>
               </a:rPr>
               <a:t>  </a:t>
+            </a:r>
+          </a:p>
+          <a:p>
+            <a:pPr marL="285750" indent="-285750">
+              <a:buFont typeface="Arial" panose="020B0604020202020204" pitchFamily="34" charset="0"/>
+              <a:buChar char="•"/>
+            </a:pPr>
+            <a:r>
+              <a:rPr lang="en-US" sz="5400" baseline="-25000" dirty="0">
+                <a:solidFill>
+                  <a:srgbClr val="707070"/>
+                </a:solidFill>
+                <a:latin typeface="Pragmatica" panose="020B0403040502020204" pitchFamily="34" charset="0"/>
+              </a:rPr>
+              <a:t>FREE getting started worksheet – check your downloads!</a:t>
             </a:r>
           </a:p>
         </p:txBody>
@@ -10245,7 +10260,7 @@
               <a:rPr lang="en-US" sz="6000" dirty="0">
                 <a:latin typeface="Aliens &amp; cows" panose="00000500000000000000" pitchFamily="2" charset="0"/>
               </a:rPr>
-              <a:t>Chat me up…</a:t>
+              <a:t>In the chat… </a:t>
             </a:r>
           </a:p>
         </p:txBody>
@@ -10876,7 +10891,7 @@
         <p:spPr>
           <a:xfrm>
             <a:off x="462987" y="1365813"/>
-            <a:ext cx="6611053" cy="2677656"/>
+            <a:ext cx="6611053" cy="2246769"/>
           </a:xfrm>
           <a:prstGeom prst="rect">
             <a:avLst/>
@@ -10930,7 +10945,7 @@
                 </a:solidFill>
                 <a:latin typeface="Pragmatica" panose="020B0403040502020204" pitchFamily="34" charset="0"/>
               </a:rPr>
-              <a:t>What abstract knowledge can I make concrete? </a:t>
+              <a:t>How do you get started? </a:t>
             </a:r>
           </a:p>
           <a:p>
@@ -11155,7 +11170,25 @@
                 </a:solidFill>
                 <a:latin typeface="Pragmatica" panose="020B0403040502020204" pitchFamily="34" charset="0"/>
               </a:rPr>
-              <a:t>You plan not to become rich from book royalties</a:t>
+              <a:t>You don’t plan </a:t>
+            </a:r>
+            <a:r>
+              <a:rPr lang="en-US" sz="2800">
+                <a:solidFill>
+                  <a:srgbClr val="707070"/>
+                </a:solidFill>
+                <a:latin typeface="Pragmatica" panose="020B0403040502020204" pitchFamily="34" charset="0"/>
+              </a:rPr>
+              <a:t>to become </a:t>
+            </a:r>
+            <a:r>
+              <a:rPr lang="en-US" sz="2800" dirty="0">
+                <a:solidFill>
+                  <a:srgbClr val="707070"/>
+                </a:solidFill>
+                <a:latin typeface="Pragmatica" panose="020B0403040502020204" pitchFamily="34" charset="0"/>
+              </a:rPr>
+              <a:t>rich from book royalties</a:t>
             </a:r>
           </a:p>
         </p:txBody>
